--- a/Presentación/presentacion.pptx
+++ b/Presentación/presentacion.pptx
@@ -3388,7 +3388,7 @@
       </p:sp>
       <p:graphicFrame xmlns:a="http://schemas.openxmlformats.org/drawingml/2006/main" xmlns:r="http://schemas.openxmlformats.org/officeDocument/2006/relationships" xmlns:p="http://schemas.openxmlformats.org/presentationml/2006/main">
         <p:nvGraphicFramePr>
-          <p:cNvPr id="260103600" name=""/>
+          <p:cNvPr id="882924886" name=""/>
           <p:cNvGraphicFramePr>
             <a:graphicFrameLocks noGrp="true"/>
           </p:cNvGraphicFramePr>
